--- a/Concord + VMWorld customer Relations.pptx
+++ b/Concord + VMWorld customer Relations.pptx
@@ -8,6 +8,8 @@
     <p:sldId id="256" r:id="rId2"/>
     <p:sldId id="257" r:id="rId3"/>
     <p:sldId id="258" r:id="rId4"/>
+    <p:sldId id="260" r:id="rId5"/>
+    <p:sldId id="261" r:id="rId6"/>
   </p:sldIdLst>
   <p:sldSz cx="12192000" cy="6858000"/>
   <p:notesSz cx="6858000" cy="9144000"/>
@@ -6140,9 +6142,16 @@
             <p:ph type="subTitle" idx="1"/>
           </p:nvPr>
         </p:nvSpPr>
-        <p:spPr/>
-        <p:txBody>
-          <a:bodyPr/>
+        <p:spPr>
+          <a:xfrm>
+            <a:off x="1154955" y="4777379"/>
+            <a:ext cx="8825658" cy="1675671"/>
+          </a:xfrm>
+        </p:spPr>
+        <p:txBody>
+          <a:bodyPr>
+            <a:normAutofit lnSpcReduction="10000"/>
+          </a:bodyPr>
           <a:lstStyle/>
           <a:p>
             <a:r>
@@ -6156,19 +6165,48 @@
             <a:endParaRPr lang="en-US" b="1" dirty="0" smtClean="0"/>
           </a:p>
           <a:p>
+            <a:pPr marL="342900" indent="-342900">
+              <a:buFontTx/>
+              <a:buChar char="-"/>
+            </a:pPr>
             <a:r>
               <a:rPr lang="en-US" b="1" dirty="0" smtClean="0"/>
-              <a:t>- </a:t>
-            </a:r>
+              <a:t>Team </a:t>
+            </a:r>
+            <a:r>
+              <a:rPr lang="en-US" b="1" dirty="0" err="1" smtClean="0"/>
+              <a:t>Blockchain</a:t>
+            </a:r>
+            <a:endParaRPr lang="en-US" b="1" dirty="0" smtClean="0"/>
+          </a:p>
+          <a:p>
+            <a:pPr marL="342900" indent="-342900">
+              <a:buFontTx/>
+              <a:buChar char="-"/>
+            </a:pPr>
+            <a:r>
+              <a:rPr lang="en-US" b="1" dirty="0">
+                <a:hlinkClick r:id="rId2"/>
+              </a:rPr>
+              <a:t>http://</a:t>
+            </a:r>
+            <a:r>
+              <a:rPr lang="en-US" b="1" dirty="0" smtClean="0">
+                <a:hlinkClick r:id="rId2"/>
+              </a:rPr>
+              <a:t>13.59.98.146:8080/dashboard</a:t>
+            </a:r>
+            <a:endParaRPr lang="en-US" b="1" dirty="0" smtClean="0"/>
+          </a:p>
+          <a:p>
+            <a:pPr marL="342900" indent="-342900">
+              <a:buFontTx/>
+              <a:buChar char="-"/>
+            </a:pPr>
             <a:r>
               <a:rPr lang="en-US" b="1" dirty="0"/>
-              <a:t>Team </a:t>
-            </a:r>
-            <a:r>
-              <a:rPr lang="en-US" b="1" dirty="0" err="1"/>
-              <a:t>Blockchain</a:t>
-            </a:r>
-            <a:endParaRPr lang="en-US" b="1" dirty="0"/>
+              <a:t>https://github.com/nillocftw/vmware2018</a:t>
+            </a:r>
           </a:p>
         </p:txBody>
       </p:sp>
@@ -6181,7 +6219,7 @@
           <p:nvPr/>
         </p:nvPicPr>
         <p:blipFill>
-          <a:blip r:embed="rId2">
+          <a:blip r:embed="rId3">
             <a:extLst>
               <a:ext uri="{28A0092B-C50C-407E-A947-70E740481C1C}">
                 <a14:useLocalDpi xmlns:a14="http://schemas.microsoft.com/office/drawing/2010/main" val="0"/>
@@ -6194,7 +6232,7 @@
         </p:blipFill>
         <p:spPr>
           <a:xfrm>
-            <a:off x="5762696" y="4652825"/>
+            <a:off x="7513118" y="4382859"/>
             <a:ext cx="2896004" cy="1971950"/>
           </a:xfrm>
           <a:prstGeom prst="rect">
@@ -6212,6 +6250,13 @@
   <p:clrMapOvr>
     <a:masterClrMapping/>
   </p:clrMapOvr>
+  <p:timing>
+    <p:tnLst>
+      <p:par>
+        <p:cTn id="1" dur="indefinite" restart="never" nodeType="tmRoot"/>
+      </p:par>
+    </p:tnLst>
+  </p:timing>
 </p:sld>
 </file>
 
@@ -6380,6 +6425,13 @@
   <p:clrMapOvr>
     <a:masterClrMapping/>
   </p:clrMapOvr>
+  <p:timing>
+    <p:tnLst>
+      <p:par>
+        <p:cTn id="1" dur="indefinite" restart="never" nodeType="tmRoot"/>
+      </p:par>
+    </p:tnLst>
+  </p:timing>
 </p:sld>
 </file>
 
@@ -6416,10 +6468,13 @@
           <a:lstStyle/>
           <a:p>
             <a:r>
-              <a:rPr lang="en-US" dirty="0" smtClean="0"/>
-              <a:t>END USER</a:t>
-            </a:r>
-            <a:endParaRPr lang="en-US" dirty="0"/>
+              <a:rPr lang="en-US" sz="4000" u="sng" dirty="0" smtClean="0"/>
+              <a:t>END USER EXPERIENCE</a:t>
+            </a:r>
+            <a:br>
+              <a:rPr lang="en-US" sz="4000" u="sng" dirty="0" smtClean="0"/>
+            </a:br>
+            <a:endParaRPr lang="en-US" sz="4000" u="sng" dirty="0"/>
           </a:p>
         </p:txBody>
       </p:sp>
@@ -6454,8 +6509,8 @@
         </p:nvSpPr>
         <p:spPr bwMode="auto">
           <a:xfrm>
-            <a:off x="5250269" y="2834215"/>
-            <a:ext cx="4834257" cy="1200329"/>
+            <a:off x="5250269" y="1356889"/>
+            <a:ext cx="4834257" cy="4154984"/>
           </a:xfrm>
           <a:prstGeom prst="rect">
             <a:avLst/>
@@ -6519,7 +6574,7 @@
               <a:buNone/>
               <a:tabLst/>
             </a:pPr>
-            <a:endParaRPr kumimoji="0" lang="en-US" altLang="en-US" sz="1800" b="0" i="0" u="none" strike="noStrike" cap="none" normalizeH="0" baseline="0" dirty="0" smtClean="0">
+            <a:endParaRPr kumimoji="0" lang="en-US" altLang="en-US" sz="2400" b="0" i="0" u="none" strike="noStrike" cap="none" normalizeH="0" baseline="0" dirty="0" smtClean="0">
               <a:ln>
                 <a:noFill/>
               </a:ln>
@@ -6548,7 +6603,7 @@
               <a:tabLst/>
             </a:pPr>
             <a:r>
-              <a:rPr kumimoji="0" lang="en-US" altLang="en-US" sz="1800" b="0" i="0" u="none" strike="noStrike" cap="none" normalizeH="0" baseline="0" dirty="0" smtClean="0">
+              <a:rPr kumimoji="0" lang="en-US" altLang="en-US" sz="2400" b="0" i="0" u="none" strike="noStrike" cap="none" normalizeH="0" baseline="0" dirty="0" smtClean="0">
                 <a:ln>
                   <a:noFill/>
                 </a:ln>
@@ -6561,7 +6616,7 @@
               <a:t>Conference attendees can collect </a:t>
             </a:r>
             <a:r>
-              <a:rPr kumimoji="0" lang="en-US" altLang="en-US" sz="1800" b="0" i="0" u="none" strike="noStrike" cap="none" normalizeH="0" baseline="0" dirty="0" err="1" smtClean="0">
+              <a:rPr kumimoji="0" lang="en-US" altLang="en-US" sz="2400" b="0" i="0" u="none" strike="noStrike" cap="none" normalizeH="0" baseline="0" dirty="0" err="1" smtClean="0">
                 <a:ln>
                   <a:noFill/>
                 </a:ln>
@@ -6574,7 +6629,7 @@
               <a:t>vSwag</a:t>
             </a:r>
             <a:r>
-              <a:rPr kumimoji="0" lang="en-US" altLang="en-US" sz="1800" b="0" i="0" u="none" strike="noStrike" cap="none" normalizeH="0" baseline="0" dirty="0" smtClean="0">
+              <a:rPr kumimoji="0" lang="en-US" altLang="en-US" sz="2400" b="0" i="0" u="none" strike="noStrike" cap="none" normalizeH="0" baseline="0" dirty="0" smtClean="0">
                 <a:ln>
                   <a:noFill/>
                 </a:ln>
@@ -6587,13 +6642,13 @@
               <a:t> </a:t>
             </a:r>
             <a:r>
-              <a:rPr lang="en-US" altLang="en-US" sz="1800" dirty="0" smtClean="0">
+              <a:rPr lang="en-US" altLang="en-US" sz="2400" dirty="0" smtClean="0">
                 <a:latin typeface="Arial" panose="020B0604020202020204" pitchFamily="34" charset="0"/>
               </a:rPr>
               <a:t>t</a:t>
             </a:r>
             <a:r>
-              <a:rPr kumimoji="0" lang="en-US" altLang="en-US" sz="1800" b="0" i="0" u="none" strike="noStrike" cap="none" normalizeH="0" baseline="0" dirty="0" smtClean="0">
+              <a:rPr kumimoji="0" lang="en-US" altLang="en-US" sz="2400" b="0" i="0" u="none" strike="noStrike" cap="none" normalizeH="0" baseline="0" dirty="0" smtClean="0">
                 <a:ln>
                   <a:noFill/>
                 </a:ln>
@@ -6603,11 +6658,146 @@
                 <a:effectLst/>
                 <a:latin typeface="Arial" panose="020B0604020202020204" pitchFamily="34" charset="0"/>
               </a:rPr>
-              <a:t>okens from Vendors by participating marketing events and sales campaigns. </a:t>
-            </a:r>
-          </a:p>
-        </p:txBody>
-      </p:sp>
+              <a:t>okens from Vendors by participating marketing events and sales campaigns.</a:t>
+            </a:r>
+          </a:p>
+          <a:p>
+            <a:pPr marL="0" indent="0" defTabSz="914400" eaLnBrk="0" fontAlgn="base" hangingPunct="0">
+              <a:spcBef>
+                <a:spcPct val="0"/>
+              </a:spcBef>
+              <a:spcAft>
+                <a:spcPct val="0"/>
+              </a:spcAft>
+              <a:buClrTx/>
+              <a:buSzTx/>
+              <a:buFontTx/>
+              <a:buChar char="•"/>
+            </a:pPr>
+            <a:r>
+              <a:rPr kumimoji="0" lang="en-US" altLang="en-US" sz="2400" b="0" i="0" u="none" strike="noStrike" cap="none" normalizeH="0" baseline="0" dirty="0" smtClean="0">
+                <a:ln>
+                  <a:noFill/>
+                </a:ln>
+                <a:solidFill>
+                  <a:schemeClr val="tx1"/>
+                </a:solidFill>
+                <a:effectLst/>
+                <a:latin typeface="Arial" panose="020B0604020202020204" pitchFamily="34" charset="0"/>
+              </a:rPr>
+              <a:t> </a:t>
+            </a:r>
+            <a:r>
+              <a:rPr lang="en-US" altLang="en-US" sz="2400" dirty="0">
+                <a:latin typeface="Arial" panose="020B0604020202020204" pitchFamily="34" charset="0"/>
+              </a:rPr>
+              <a:t>Attendees can redeem </a:t>
+            </a:r>
+            <a:r>
+              <a:rPr lang="en-US" altLang="en-US" sz="2400" dirty="0" err="1">
+                <a:latin typeface="Arial" panose="020B0604020202020204" pitchFamily="34" charset="0"/>
+              </a:rPr>
+              <a:t>vSwag</a:t>
+            </a:r>
+            <a:r>
+              <a:rPr lang="en-US" altLang="en-US" sz="2400" dirty="0">
+                <a:latin typeface="Arial" panose="020B0604020202020204" pitchFamily="34" charset="0"/>
+              </a:rPr>
+              <a:t> tokens in VMware store or Vendor booth for swag items. </a:t>
+            </a:r>
+          </a:p>
+          <a:p>
+            <a:pPr marL="0" indent="0" defTabSz="914400" eaLnBrk="0" fontAlgn="base" hangingPunct="0">
+              <a:spcBef>
+                <a:spcPct val="0"/>
+              </a:spcBef>
+              <a:spcAft>
+                <a:spcPct val="0"/>
+              </a:spcAft>
+              <a:buClrTx/>
+              <a:buSzTx/>
+              <a:buFontTx/>
+              <a:buChar char="•"/>
+            </a:pPr>
+            <a:r>
+              <a:rPr lang="en-US" altLang="en-US" sz="2400" dirty="0">
+                <a:latin typeface="Arial" panose="020B0604020202020204" pitchFamily="34" charset="0"/>
+              </a:rPr>
+              <a:t>Vendors will contribute </a:t>
+            </a:r>
+            <a:r>
+              <a:rPr lang="en-US" altLang="en-US" sz="2400" dirty="0" err="1">
+                <a:latin typeface="Arial" panose="020B0604020202020204" pitchFamily="34" charset="0"/>
+              </a:rPr>
+              <a:t>vSwag</a:t>
+            </a:r>
+            <a:r>
+              <a:rPr lang="en-US" altLang="en-US" sz="2400" dirty="0">
+                <a:latin typeface="Arial" panose="020B0604020202020204" pitchFamily="34" charset="0"/>
+              </a:rPr>
+              <a:t> tokens to be redeemed for goods. </a:t>
+            </a:r>
+          </a:p>
+          <a:p>
+            <a:pPr marL="0" marR="0" lvl="0" indent="0" algn="l" defTabSz="914400" rtl="0" eaLnBrk="0" fontAlgn="base" latinLnBrk="0" hangingPunct="0">
+              <a:lnSpc>
+                <a:spcPct val="100000"/>
+              </a:lnSpc>
+              <a:spcBef>
+                <a:spcPct val="0"/>
+              </a:spcBef>
+              <a:spcAft>
+                <a:spcPct val="0"/>
+              </a:spcAft>
+              <a:buClrTx/>
+              <a:buSzTx/>
+              <a:buFontTx/>
+              <a:buChar char="•"/>
+              <a:tabLst/>
+            </a:pPr>
+            <a:endParaRPr kumimoji="0" lang="en-US" altLang="en-US" sz="2400" b="0" i="0" u="none" strike="noStrike" cap="none" normalizeH="0" baseline="0" dirty="0" smtClean="0">
+              <a:ln>
+                <a:noFill/>
+              </a:ln>
+              <a:solidFill>
+                <a:schemeClr val="tx1"/>
+              </a:solidFill>
+              <a:effectLst/>
+              <a:latin typeface="Arial" panose="020B0604020202020204" pitchFamily="34" charset="0"/>
+            </a:endParaRPr>
+          </a:p>
+        </p:txBody>
+      </p:sp>
+      <p:pic>
+        <p:nvPicPr>
+          <p:cNvPr id="6" name="Picture 5"/>
+          <p:cNvPicPr>
+            <a:picLocks noChangeAspect="1"/>
+          </p:cNvPicPr>
+          <p:nvPr/>
+        </p:nvPicPr>
+        <p:blipFill>
+          <a:blip r:embed="rId2">
+            <a:extLst>
+              <a:ext uri="{28A0092B-C50C-407E-A947-70E740481C1C}">
+                <a14:useLocalDpi xmlns:a14="http://schemas.microsoft.com/office/drawing/2010/main" val="0"/>
+              </a:ext>
+            </a:extLst>
+          </a:blip>
+          <a:stretch>
+            <a:fillRect/>
+          </a:stretch>
+        </p:blipFill>
+        <p:spPr>
+          <a:xfrm>
+            <a:off x="1303045" y="3024640"/>
+            <a:ext cx="3104878" cy="3104878"/>
+          </a:xfrm>
+          <a:prstGeom prst="rect">
+            <a:avLst/>
+          </a:prstGeom>
+        </p:spPr>
+      </p:pic>
     </p:spTree>
     <p:extLst>
       <p:ext uri="{BB962C8B-B14F-4D97-AF65-F5344CB8AC3E}">
@@ -6618,6 +6808,371 @@
   <p:clrMapOvr>
     <a:masterClrMapping/>
   </p:clrMapOvr>
+  <p:timing>
+    <p:tnLst>
+      <p:par>
+        <p:cTn id="1" dur="indefinite" restart="never" nodeType="tmRoot"/>
+      </p:par>
+    </p:tnLst>
+  </p:timing>
+</p:sld>
+</file>
+
+<file path=ppt/slides/slide4.xml><?xml version="1.0" encoding="utf-8"?>
+<p:sld xmlns:a="http://schemas.openxmlformats.org/drawingml/2006/main" xmlns:r="http://schemas.openxmlformats.org/officeDocument/2006/relationships" xmlns:p="http://schemas.openxmlformats.org/presentationml/2006/main">
+  <p:cSld>
+    <p:spTree>
+      <p:nvGrpSpPr>
+        <p:cNvPr id="1" name=""/>
+        <p:cNvGrpSpPr/>
+        <p:nvPr/>
+      </p:nvGrpSpPr>
+      <p:grpSpPr>
+        <a:xfrm>
+          <a:off x="0" y="0"/>
+          <a:ext cx="0" cy="0"/>
+          <a:chOff x="0" y="0"/>
+          <a:chExt cx="0" cy="0"/>
+        </a:xfrm>
+      </p:grpSpPr>
+      <p:sp>
+        <p:nvSpPr>
+          <p:cNvPr id="7" name="Title 6"/>
+          <p:cNvSpPr>
+            <a:spLocks noGrp="1"/>
+          </p:cNvSpPr>
+          <p:nvPr>
+            <p:ph type="title"/>
+          </p:nvPr>
+        </p:nvSpPr>
+        <p:spPr>
+          <a:xfrm>
+            <a:off x="936193" y="1117596"/>
+            <a:ext cx="5092906" cy="1574808"/>
+          </a:xfrm>
+        </p:spPr>
+        <p:txBody>
+          <a:bodyPr/>
+          <a:lstStyle/>
+          <a:p>
+            <a:r>
+              <a:rPr lang="en-US" dirty="0"/>
+              <a:t>Why </a:t>
+            </a:r>
+            <a:r>
+              <a:rPr lang="en-US" dirty="0" err="1"/>
+              <a:t>blockchain</a:t>
+            </a:r>
+            <a:r>
+              <a:rPr lang="en-US" dirty="0"/>
+              <a:t>?</a:t>
+            </a:r>
+            <a:br>
+              <a:rPr lang="en-US" dirty="0"/>
+            </a:br>
+            <a:endParaRPr lang="en-US" dirty="0"/>
+          </a:p>
+        </p:txBody>
+      </p:sp>
+      <p:pic>
+        <p:nvPicPr>
+          <p:cNvPr id="10" name="Picture Placeholder 9"/>
+          <p:cNvPicPr>
+            <a:picLocks noGrp="1" noChangeAspect="1"/>
+          </p:cNvPicPr>
+          <p:nvPr>
+            <p:ph type="pic" idx="1"/>
+          </p:nvPr>
+        </p:nvPicPr>
+        <p:blipFill>
+          <a:blip r:embed="rId2">
+            <a:extLst>
+              <a:ext uri="{28A0092B-C50C-407E-A947-70E740481C1C}">
+                <a14:useLocalDpi xmlns:a14="http://schemas.microsoft.com/office/drawing/2010/main" val="0"/>
+              </a:ext>
+            </a:extLst>
+          </a:blip>
+          <a:srcRect l="26667" r="26667"/>
+          <a:stretch>
+            <a:fillRect/>
+          </a:stretch>
+        </p:blipFill>
+        <p:spPr>
+          <a:xfrm>
+            <a:off x="7201989" y="2364162"/>
+            <a:ext cx="2792117" cy="3988739"/>
+          </a:xfrm>
+          <a:prstGeom prst="roundRect">
+            <a:avLst>
+              <a:gd name="adj" fmla="val 18729"/>
+            </a:avLst>
+          </a:prstGeom>
+        </p:spPr>
+      </p:pic>
+      <p:sp>
+        <p:nvSpPr>
+          <p:cNvPr id="9" name="Text Placeholder 8"/>
+          <p:cNvSpPr>
+            <a:spLocks noGrp="1"/>
+          </p:cNvSpPr>
+          <p:nvPr>
+            <p:ph type="body" sz="half" idx="2"/>
+          </p:nvPr>
+        </p:nvSpPr>
+        <p:spPr>
+          <a:xfrm>
+            <a:off x="1154954" y="3657599"/>
+            <a:ext cx="5084979" cy="2246811"/>
+          </a:xfrm>
+        </p:spPr>
+        <p:txBody>
+          <a:bodyPr>
+            <a:normAutofit/>
+          </a:bodyPr>
+          <a:lstStyle/>
+          <a:p>
+            <a:pPr marL="285750" indent="-285750">
+              <a:buFontTx/>
+              <a:buChar char="-"/>
+            </a:pPr>
+            <a:r>
+              <a:rPr lang="en-US" dirty="0" smtClean="0"/>
+              <a:t>Track participants and vendors are tracked</a:t>
+            </a:r>
+          </a:p>
+          <a:p>
+            <a:pPr marL="285750" indent="-285750">
+              <a:buFontTx/>
+              <a:buChar char="-"/>
+            </a:pPr>
+            <a:r>
+              <a:rPr lang="en-US" dirty="0" smtClean="0"/>
+              <a:t>Every individual has a verified identity ‘wallet’</a:t>
+            </a:r>
+          </a:p>
+          <a:p>
+            <a:pPr marL="285750" indent="-285750">
+              <a:buFontTx/>
+              <a:buChar char="-"/>
+            </a:pPr>
+            <a:r>
+              <a:rPr lang="en-US" dirty="0" smtClean="0"/>
+              <a:t>Ability to check what individuals worked with what person </a:t>
+            </a:r>
+          </a:p>
+          <a:p>
+            <a:pPr marL="742950" lvl="1" indent="-285750">
+              <a:buFontTx/>
+              <a:buChar char="-"/>
+            </a:pPr>
+            <a:r>
+              <a:rPr lang="en-US" dirty="0" smtClean="0"/>
+              <a:t>Or</a:t>
+            </a:r>
+          </a:p>
+          <a:p>
+            <a:pPr marL="285750" indent="-285750">
+              <a:buFontTx/>
+              <a:buChar char="-"/>
+            </a:pPr>
+            <a:r>
+              <a:rPr lang="en-US" dirty="0" smtClean="0"/>
+              <a:t>What vendor to what people </a:t>
+            </a:r>
+          </a:p>
+        </p:txBody>
+      </p:sp>
+      <p:sp>
+        <p:nvSpPr>
+          <p:cNvPr id="5" name="Text Placeholder 4"/>
+          <p:cNvSpPr>
+            <a:spLocks noGrp="1"/>
+          </p:cNvSpPr>
+          <p:nvPr>
+            <p:ph type="body" sz="quarter" idx="4294967295"/>
+          </p:nvPr>
+        </p:nvSpPr>
+        <p:spPr>
+          <a:xfrm>
+            <a:off x="7796213" y="1905000"/>
+            <a:ext cx="4395787" cy="576263"/>
+          </a:xfrm>
+        </p:spPr>
+        <p:txBody>
+          <a:bodyPr/>
+          <a:lstStyle/>
+          <a:p>
+            <a:r>
+              <a:rPr lang="en-US" dirty="0" err="1" smtClean="0"/>
+              <a:t>vSWAG</a:t>
+            </a:r>
+            <a:r>
+              <a:rPr lang="en-US" dirty="0" smtClean="0"/>
+              <a:t>	</a:t>
+            </a:r>
+            <a:endParaRPr lang="en-US" dirty="0"/>
+          </a:p>
+        </p:txBody>
+      </p:sp>
+    </p:spTree>
+    <p:extLst>
+      <p:ext uri="{BB962C8B-B14F-4D97-AF65-F5344CB8AC3E}">
+        <p14:creationId xmlns:p14="http://schemas.microsoft.com/office/powerpoint/2010/main" val="1764375350"/>
+      </p:ext>
+    </p:extLst>
+  </p:cSld>
+  <p:clrMapOvr>
+    <a:masterClrMapping/>
+  </p:clrMapOvr>
+  <p:timing>
+    <p:tnLst>
+      <p:par>
+        <p:cTn id="1" dur="indefinite" restart="never" nodeType="tmRoot"/>
+      </p:par>
+    </p:tnLst>
+  </p:timing>
+</p:sld>
+</file>
+
+<file path=ppt/slides/slide5.xml><?xml version="1.0" encoding="utf-8"?>
+<p:sld xmlns:a="http://schemas.openxmlformats.org/drawingml/2006/main" xmlns:r="http://schemas.openxmlformats.org/officeDocument/2006/relationships" xmlns:p="http://schemas.openxmlformats.org/presentationml/2006/main">
+  <p:cSld>
+    <p:spTree>
+      <p:nvGrpSpPr>
+        <p:cNvPr id="1" name=""/>
+        <p:cNvGrpSpPr/>
+        <p:nvPr/>
+      </p:nvGrpSpPr>
+      <p:grpSpPr>
+        <a:xfrm>
+          <a:off x="0" y="0"/>
+          <a:ext cx="0" cy="0"/>
+          <a:chOff x="0" y="0"/>
+          <a:chExt cx="0" cy="0"/>
+        </a:xfrm>
+      </p:grpSpPr>
+      <p:sp>
+        <p:nvSpPr>
+          <p:cNvPr id="2" name="Title 1"/>
+          <p:cNvSpPr>
+            <a:spLocks noGrp="1"/>
+          </p:cNvSpPr>
+          <p:nvPr>
+            <p:ph type="title"/>
+          </p:nvPr>
+        </p:nvSpPr>
+        <p:spPr/>
+        <p:txBody>
+          <a:bodyPr/>
+          <a:lstStyle/>
+          <a:p>
+            <a:r>
+              <a:rPr lang="en-US" dirty="0" smtClean="0"/>
+              <a:t>TRY IT!	</a:t>
+            </a:r>
+            <a:endParaRPr lang="en-US" dirty="0"/>
+          </a:p>
+        </p:txBody>
+      </p:sp>
+      <p:sp>
+        <p:nvSpPr>
+          <p:cNvPr id="3" name="Content Placeholder 2"/>
+          <p:cNvSpPr>
+            <a:spLocks noGrp="1"/>
+          </p:cNvSpPr>
+          <p:nvPr>
+            <p:ph idx="1"/>
+          </p:nvPr>
+        </p:nvSpPr>
+        <p:spPr/>
+        <p:txBody>
+          <a:bodyPr/>
+          <a:lstStyle/>
+          <a:p>
+            <a:pPr>
+              <a:buFontTx/>
+              <a:buChar char="-"/>
+            </a:pPr>
+            <a:r>
+              <a:rPr lang="en-US" b="1" dirty="0">
+                <a:hlinkClick r:id="rId2"/>
+              </a:rPr>
+              <a:t>http://13.59.98.146:8080/dashboard</a:t>
+            </a:r>
+            <a:endParaRPr lang="en-US" b="1" dirty="0"/>
+          </a:p>
+          <a:p>
+            <a:pPr>
+              <a:buFontTx/>
+              <a:buChar char="-"/>
+            </a:pPr>
+            <a:r>
+              <a:rPr lang="en-US" b="1" dirty="0">
+                <a:hlinkClick r:id="rId3"/>
+              </a:rPr>
+              <a:t>https://</a:t>
+            </a:r>
+            <a:r>
+              <a:rPr lang="en-US" b="1" dirty="0" smtClean="0">
+                <a:hlinkClick r:id="rId3"/>
+              </a:rPr>
+              <a:t>github.com/nillocftw/vmware2018</a:t>
+            </a:r>
+            <a:r>
+              <a:rPr lang="en-US" b="1" dirty="0" smtClean="0"/>
+              <a:t> </a:t>
+            </a:r>
+            <a:endParaRPr lang="en-US" dirty="0"/>
+          </a:p>
+        </p:txBody>
+      </p:sp>
+      <p:pic>
+        <p:nvPicPr>
+          <p:cNvPr id="4" name="Picture 3"/>
+          <p:cNvPicPr>
+            <a:picLocks noChangeAspect="1"/>
+          </p:cNvPicPr>
+          <p:nvPr/>
+        </p:nvPicPr>
+        <p:blipFill>
+          <a:blip r:embed="rId4">
+            <a:extLst>
+              <a:ext uri="{28A0092B-C50C-407E-A947-70E740481C1C}">
+                <a14:useLocalDpi xmlns:a14="http://schemas.microsoft.com/office/drawing/2010/main" val="0"/>
+              </a:ext>
+            </a:extLst>
+          </a:blip>
+          <a:stretch>
+            <a:fillRect/>
+          </a:stretch>
+        </p:blipFill>
+        <p:spPr>
+          <a:xfrm>
+            <a:off x="2848791" y="3076574"/>
+            <a:ext cx="6242958" cy="3502993"/>
+          </a:xfrm>
+          <a:prstGeom prst="rect">
+            <a:avLst/>
+          </a:prstGeom>
+        </p:spPr>
+      </p:pic>
+    </p:spTree>
+    <p:extLst>
+      <p:ext uri="{BB962C8B-B14F-4D97-AF65-F5344CB8AC3E}">
+        <p14:creationId xmlns:p14="http://schemas.microsoft.com/office/powerpoint/2010/main" val="1225596618"/>
+      </p:ext>
+    </p:extLst>
+  </p:cSld>
+  <p:clrMapOvr>
+    <a:masterClrMapping/>
+  </p:clrMapOvr>
+  <p:timing>
+    <p:tnLst>
+      <p:par>
+        <p:cTn id="1" dur="indefinite" restart="never" nodeType="tmRoot"/>
+      </p:par>
+    </p:tnLst>
+  </p:timing>
 </p:sld>
 </file>
 
